--- a/English/6.Visuals/16.Decomposition Tree.pptx
+++ b/English/6.Visuals/16.Decomposition Tree.pptx
@@ -20,7 +20,7 @@
   <p:notesSz cx="6858000" cy="9144000"/>
   <p:defaultTextStyle>
     <a:defPPr>
-      <a:defRPr lang="en-US"/>
+      <a:defRPr lang="en"/>
     </a:defPPr>
     <a:lvl1pPr marL="0" algn="l" defTabSz="914400" rtl="0" eaLnBrk="1" latinLnBrk="0" hangingPunct="1">
       <a:defRPr sz="1800" kern="1200">
@@ -203,7 +203,7 @@
           <a:p>
             <a:fld id="{056BA3B8-9F76-4D81-B71D-76CB85363062}" type="datetimeFigureOut">
               <a:rPr lang="en-US" smtClean="0"/>
-              <a:t>1/5/2025</a:t>
+              <a:t>4/3/2025</a:t>
             </a:fld>
             <a:endParaRPr lang="en-US"/>
           </a:p>
@@ -686,7 +686,7 @@
           <a:p>
             <a:fld id="{6F01DA4D-20EA-48D2-973C-0311EC3005D6}" type="datetimeFigureOut">
               <a:rPr lang="en-US" smtClean="0"/>
-              <a:t>1/5/2025</a:t>
+              <a:t>4/3/2025</a:t>
             </a:fld>
             <a:endParaRPr lang="en-US"/>
           </a:p>
@@ -856,7 +856,7 @@
           <a:p>
             <a:fld id="{6F01DA4D-20EA-48D2-973C-0311EC3005D6}" type="datetimeFigureOut">
               <a:rPr lang="en-US" smtClean="0"/>
-              <a:t>1/5/2025</a:t>
+              <a:t>4/3/2025</a:t>
             </a:fld>
             <a:endParaRPr lang="en-US"/>
           </a:p>
@@ -1036,7 +1036,7 @@
           <a:p>
             <a:fld id="{6F01DA4D-20EA-48D2-973C-0311EC3005D6}" type="datetimeFigureOut">
               <a:rPr lang="en-US" smtClean="0"/>
-              <a:t>1/5/2025</a:t>
+              <a:t>4/3/2025</a:t>
             </a:fld>
             <a:endParaRPr lang="en-US"/>
           </a:p>
@@ -1206,7 +1206,7 @@
           <a:p>
             <a:fld id="{6F01DA4D-20EA-48D2-973C-0311EC3005D6}" type="datetimeFigureOut">
               <a:rPr lang="en-US" smtClean="0"/>
-              <a:t>1/5/2025</a:t>
+              <a:t>4/3/2025</a:t>
             </a:fld>
             <a:endParaRPr lang="en-US"/>
           </a:p>
@@ -1452,7 +1452,7 @@
           <a:p>
             <a:fld id="{6F01DA4D-20EA-48D2-973C-0311EC3005D6}" type="datetimeFigureOut">
               <a:rPr lang="en-US" smtClean="0"/>
-              <a:t>1/5/2025</a:t>
+              <a:t>4/3/2025</a:t>
             </a:fld>
             <a:endParaRPr lang="en-US"/>
           </a:p>
@@ -1684,7 +1684,7 @@
           <a:p>
             <a:fld id="{6F01DA4D-20EA-48D2-973C-0311EC3005D6}" type="datetimeFigureOut">
               <a:rPr lang="en-US" smtClean="0"/>
-              <a:t>1/5/2025</a:t>
+              <a:t>4/3/2025</a:t>
             </a:fld>
             <a:endParaRPr lang="en-US"/>
           </a:p>
@@ -2051,7 +2051,7 @@
           <a:p>
             <a:fld id="{6F01DA4D-20EA-48D2-973C-0311EC3005D6}" type="datetimeFigureOut">
               <a:rPr lang="en-US" smtClean="0"/>
-              <a:t>1/5/2025</a:t>
+              <a:t>4/3/2025</a:t>
             </a:fld>
             <a:endParaRPr lang="en-US"/>
           </a:p>
@@ -2169,7 +2169,7 @@
           <a:p>
             <a:fld id="{6F01DA4D-20EA-48D2-973C-0311EC3005D6}" type="datetimeFigureOut">
               <a:rPr lang="en-US" smtClean="0"/>
-              <a:t>1/5/2025</a:t>
+              <a:t>4/3/2025</a:t>
             </a:fld>
             <a:endParaRPr lang="en-US"/>
           </a:p>
@@ -2264,7 +2264,7 @@
           <a:p>
             <a:fld id="{6F01DA4D-20EA-48D2-973C-0311EC3005D6}" type="datetimeFigureOut">
               <a:rPr lang="en-US" smtClean="0"/>
-              <a:t>1/5/2025</a:t>
+              <a:t>4/3/2025</a:t>
             </a:fld>
             <a:endParaRPr lang="en-US"/>
           </a:p>
@@ -2541,7 +2541,7 @@
           <a:p>
             <a:fld id="{6F01DA4D-20EA-48D2-973C-0311EC3005D6}" type="datetimeFigureOut">
               <a:rPr lang="en-US" smtClean="0"/>
-              <a:t>1/5/2025</a:t>
+              <a:t>4/3/2025</a:t>
             </a:fld>
             <a:endParaRPr lang="en-US"/>
           </a:p>
@@ -2794,7 +2794,7 @@
           <a:p>
             <a:fld id="{6F01DA4D-20EA-48D2-973C-0311EC3005D6}" type="datetimeFigureOut">
               <a:rPr lang="en-US" smtClean="0"/>
-              <a:t>1/5/2025</a:t>
+              <a:t>4/3/2025</a:t>
             </a:fld>
             <a:endParaRPr lang="en-US"/>
           </a:p>
@@ -3007,7 +3007,7 @@
           <a:p>
             <a:fld id="{6F01DA4D-20EA-48D2-973C-0311EC3005D6}" type="datetimeFigureOut">
               <a:rPr lang="en-US" smtClean="0"/>
-              <a:t>1/5/2025</a:t>
+              <a:t>4/3/2025</a:t>
             </a:fld>
             <a:endParaRPr lang="en-US"/>
           </a:p>
@@ -3428,7 +3428,7 @@
         </p:nvSpPr>
         <p:spPr>
           <a:xfrm>
-            <a:off x="1411715" y="1849031"/>
+            <a:off x="1686723" y="1979660"/>
             <a:ext cx="9134824" cy="2554545"/>
           </a:xfrm>
           <a:prstGeom prst="rect">
@@ -3444,7 +3444,7 @@
           <a:p>
             <a:pPr algn="ctr"/>
             <a:r>
-              <a:rPr lang="fr-FR" sz="8000" b="1" dirty="0" err="1" smtClean="0">
+              <a:rPr lang="en" sz="8000" b="1" dirty="0" smtClean="0">
                 <a:solidFill>
                   <a:srgbClr val="7030A0"/>
                 </a:solidFill>
@@ -3452,10 +3452,21 @@
                 <a:ea typeface="Verdana" panose="020B0604030504040204" pitchFamily="34" charset="0"/>
                 <a:cs typeface="Segoe UI" panose="020B0502040204020203" pitchFamily="34" charset="0"/>
               </a:rPr>
-              <a:t>Decomposition</a:t>
-            </a:r>
-            <a:r>
-              <a:rPr lang="fr-FR" sz="8000" b="1" dirty="0" smtClean="0">
+              <a:t>TREE</a:t>
+            </a:r>
+            <a:endParaRPr lang="en-US" sz="8000" b="1" dirty="0" smtClean="0">
+              <a:solidFill>
+                <a:srgbClr val="7030A0"/>
+              </a:solidFill>
+              <a:latin typeface="Segoe UI" panose="020B0502040204020203" pitchFamily="34" charset="0"/>
+              <a:ea typeface="Verdana" panose="020B0604030504040204" pitchFamily="34" charset="0"/>
+              <a:cs typeface="Segoe UI" panose="020B0502040204020203" pitchFamily="34" charset="0"/>
+            </a:endParaRPr>
+          </a:p>
+          <a:p>
+            <a:pPr algn="ctr"/>
+            <a:r>
+              <a:rPr lang="en" sz="8000" b="1" dirty="0" smtClean="0">
                 <a:solidFill>
                   <a:srgbClr val="7030A0"/>
                 </a:solidFill>
@@ -3463,18 +3474,7 @@
                 <a:ea typeface="Verdana" panose="020B0604030504040204" pitchFamily="34" charset="0"/>
                 <a:cs typeface="Segoe UI" panose="020B0502040204020203" pitchFamily="34" charset="0"/>
               </a:rPr>
-              <a:t> </a:t>
-            </a:r>
-            <a:r>
-              <a:rPr lang="fr-FR" sz="8000" b="1" dirty="0" err="1" smtClean="0">
-                <a:solidFill>
-                  <a:srgbClr val="7030A0"/>
-                </a:solidFill>
-                <a:latin typeface="Segoe UI" panose="020B0502040204020203" pitchFamily="34" charset="0"/>
-                <a:ea typeface="Verdana" panose="020B0604030504040204" pitchFamily="34" charset="0"/>
-                <a:cs typeface="Segoe UI" panose="020B0502040204020203" pitchFamily="34" charset="0"/>
-              </a:rPr>
-              <a:t>Tree</a:t>
+              <a:t>of decomposition</a:t>
             </a:r>
             <a:endParaRPr lang="en-US" sz="8000" b="1" dirty="0">
               <a:solidFill>
@@ -3495,7 +3495,7 @@
         </p:nvSpPr>
         <p:spPr>
           <a:xfrm>
-            <a:off x="1460988" y="1898303"/>
+            <a:off x="1632868" y="1918930"/>
             <a:ext cx="9134824" cy="2554545"/>
           </a:xfrm>
           <a:prstGeom prst="rect">
@@ -3511,7 +3511,7 @@
           <a:p>
             <a:pPr algn="ctr"/>
             <a:r>
-              <a:rPr lang="fr-FR" sz="8000" b="1" dirty="0" err="1" smtClean="0">
+              <a:rPr lang="en" sz="8000" b="1" dirty="0" smtClean="0">
                 <a:solidFill>
                   <a:schemeClr val="bg1"/>
                 </a:solidFill>
@@ -3519,10 +3519,21 @@
                 <a:ea typeface="Verdana" panose="020B0604030504040204" pitchFamily="34" charset="0"/>
                 <a:cs typeface="Segoe UI" panose="020B0502040204020203" pitchFamily="34" charset="0"/>
               </a:rPr>
-              <a:t>Decomposition</a:t>
-            </a:r>
-            <a:r>
-              <a:rPr lang="fr-FR" sz="8000" b="1" dirty="0" smtClean="0">
+              <a:t>TREE</a:t>
+            </a:r>
+            <a:endParaRPr lang="en-US" sz="8000" b="1" dirty="0" smtClean="0">
+              <a:solidFill>
+                <a:schemeClr val="bg1"/>
+              </a:solidFill>
+              <a:latin typeface="Segoe UI" panose="020B0502040204020203" pitchFamily="34" charset="0"/>
+              <a:ea typeface="Verdana" panose="020B0604030504040204" pitchFamily="34" charset="0"/>
+              <a:cs typeface="Segoe UI" panose="020B0502040204020203" pitchFamily="34" charset="0"/>
+            </a:endParaRPr>
+          </a:p>
+          <a:p>
+            <a:pPr algn="ctr"/>
+            <a:r>
+              <a:rPr lang="en" sz="8000" b="1" dirty="0" smtClean="0">
                 <a:solidFill>
                   <a:schemeClr val="bg1"/>
                 </a:solidFill>
@@ -3530,18 +3541,7 @@
                 <a:ea typeface="Verdana" panose="020B0604030504040204" pitchFamily="34" charset="0"/>
                 <a:cs typeface="Segoe UI" panose="020B0502040204020203" pitchFamily="34" charset="0"/>
               </a:rPr>
-              <a:t> </a:t>
-            </a:r>
-            <a:r>
-              <a:rPr lang="fr-FR" sz="8000" b="1" dirty="0" err="1" smtClean="0">
-                <a:solidFill>
-                  <a:schemeClr val="bg1"/>
-                </a:solidFill>
-                <a:latin typeface="Segoe UI" panose="020B0502040204020203" pitchFamily="34" charset="0"/>
-                <a:ea typeface="Verdana" panose="020B0604030504040204" pitchFamily="34" charset="0"/>
-                <a:cs typeface="Segoe UI" panose="020B0502040204020203" pitchFamily="34" charset="0"/>
-              </a:rPr>
-              <a:t>Tree</a:t>
+              <a:t>of decomposition</a:t>
             </a:r>
             <a:endParaRPr lang="en-US" sz="8000" b="1" dirty="0">
               <a:solidFill>
@@ -3593,7 +3593,7 @@
         <p:spPr>
           <a:xfrm>
             <a:off x="323133" y="192505"/>
-            <a:ext cx="2865656" cy="461665"/>
+            <a:ext cx="3686009" cy="461665"/>
           </a:xfrm>
           <a:prstGeom prst="rect">
             <a:avLst/>
@@ -3607,13 +3607,13 @@
           <a:lstStyle/>
           <a:p>
             <a:r>
-              <a:rPr lang="en-US" sz="2400" dirty="0" smtClean="0">
+              <a:rPr lang="en" sz="2400" b="1" dirty="0" smtClean="0">
                 <a:latin typeface="Segoe UI" panose="020B0502040204020203" pitchFamily="34" charset="0"/>
                 <a:cs typeface="Segoe UI" panose="020B0502040204020203" pitchFamily="34" charset="0"/>
               </a:rPr>
               <a:t>Decomposition tree</a:t>
             </a:r>
-            <a:endParaRPr lang="en-US" sz="2400" dirty="0">
+            <a:endParaRPr lang="en-US" sz="2400" b="1" dirty="0">
               <a:latin typeface="Segoe UI" panose="020B0502040204020203" pitchFamily="34" charset="0"/>
               <a:cs typeface="Segoe UI" panose="020B0502040204020203" pitchFamily="34" charset="0"/>
             </a:endParaRPr>
@@ -3629,7 +3629,7 @@
         <p:spPr>
           <a:xfrm>
             <a:off x="378135" y="756271"/>
-            <a:ext cx="6927602" cy="369332"/>
+            <a:ext cx="8636531" cy="369332"/>
           </a:xfrm>
           <a:prstGeom prst="rect">
             <a:avLst/>
@@ -3643,34 +3643,27 @@
           <a:lstStyle/>
           <a:p>
             <a:r>
-              <a:rPr lang="en-US" b="1" dirty="0" smtClean="0">
+              <a:rPr lang="en" b="1" dirty="0" smtClean="0">
                 <a:latin typeface="Segoe UI" panose="020B0502040204020203" pitchFamily="34" charset="0"/>
                 <a:cs typeface="Segoe UI" panose="020B0502040204020203" pitchFamily="34" charset="0"/>
               </a:rPr>
               <a:t>Note: </a:t>
             </a:r>
             <a:r>
-              <a:rPr lang="en-US" dirty="0" smtClean="0">
+              <a:rPr lang="en" dirty="0" smtClean="0">
                 <a:latin typeface="Segoe UI" panose="020B0502040204020203" pitchFamily="34" charset="0"/>
                 <a:cs typeface="Segoe UI" panose="020B0502040204020203" pitchFamily="34" charset="0"/>
               </a:rPr>
-              <a:t>This lab is based on the excel file </a:t>
-            </a:r>
-            <a:r>
-              <a:rPr lang="en-US" b="1" dirty="0" smtClean="0">
+              <a:t>This workshop is based on the Excel file </a:t>
+            </a:r>
+            <a:r>
+              <a:rPr lang="en" b="1" dirty="0" smtClean="0">
                 <a:latin typeface="Segoe UI" panose="020B0502040204020203" pitchFamily="34" charset="0"/>
                 <a:cs typeface="Segoe UI" panose="020B0502040204020203" pitchFamily="34" charset="0"/>
               </a:rPr>
-              <a:t>Sales.xlsx </a:t>
-            </a:r>
-            <a:r>
-              <a:rPr lang="en-US" dirty="0" smtClean="0">
-                <a:latin typeface="Segoe UI" panose="020B0502040204020203" pitchFamily="34" charset="0"/>
-                <a:cs typeface="Segoe UI" panose="020B0502040204020203" pitchFamily="34" charset="0"/>
-              </a:rPr>
-              <a:t>in Excel Sources</a:t>
-            </a:r>
-            <a:endParaRPr lang="en-US" dirty="0">
+              <a:t>Sales.xlsx in the Excel </a:t>
+            </a:r>
+            <a:endParaRPr lang="en-US" b="1" dirty="0">
               <a:latin typeface="Segoe UI" panose="020B0502040204020203" pitchFamily="34" charset="0"/>
               <a:cs typeface="Segoe UI" panose="020B0502040204020203" pitchFamily="34" charset="0"/>
             </a:endParaRPr>
@@ -3700,11 +3693,11 @@
           <a:lstStyle/>
           <a:p>
             <a:r>
-              <a:rPr lang="en-US" dirty="0" smtClean="0">
+              <a:rPr lang="en" dirty="0" smtClean="0">
                 <a:latin typeface="Segoe UI" panose="020B0502040204020203" pitchFamily="34" charset="0"/>
                 <a:cs typeface="Segoe UI" panose="020B0502040204020203" pitchFamily="34" charset="0"/>
               </a:rPr>
-              <a:t>Add a Decomposition Tree to the scene</a:t>
+              <a:t>Add a decay tree to the scene</a:t>
             </a:r>
             <a:endParaRPr lang="en-US" dirty="0">
               <a:latin typeface="Segoe UI" panose="020B0502040204020203" pitchFamily="34" charset="0"/>
@@ -3721,16 +3714,15 @@
           </p:cNvPicPr>
           <p:nvPr/>
         </p:nvPicPr>
-        <p:blipFill>
+        <p:blipFill rotWithShape="1">
           <a:blip r:embed="rId2"/>
-          <a:stretch>
-            <a:fillRect/>
-          </a:stretch>
+          <a:srcRect t="1532"/>
+          <a:stretch/>
         </p:blipFill>
         <p:spPr>
           <a:xfrm>
-            <a:off x="462775" y="1821925"/>
-            <a:ext cx="5151065" cy="3141962"/>
+            <a:off x="462775" y="1870051"/>
+            <a:ext cx="5151065" cy="3093836"/>
           </a:xfrm>
           <a:prstGeom prst="rect">
             <a:avLst/>
@@ -3786,7 +3778,7 @@
         <p:spPr>
           <a:xfrm>
             <a:off x="323133" y="192505"/>
-            <a:ext cx="2865656" cy="461665"/>
+            <a:ext cx="3686009" cy="461665"/>
           </a:xfrm>
           <a:prstGeom prst="rect">
             <a:avLst/>
@@ -3800,13 +3792,13 @@
           <a:lstStyle/>
           <a:p>
             <a:r>
-              <a:rPr lang="en-US" sz="2400" dirty="0" smtClean="0">
+              <a:rPr lang="en" sz="2400" b="1" dirty="0" smtClean="0">
                 <a:latin typeface="Segoe UI" panose="020B0502040204020203" pitchFamily="34" charset="0"/>
                 <a:cs typeface="Segoe UI" panose="020B0502040204020203" pitchFamily="34" charset="0"/>
               </a:rPr>
               <a:t>Decomposition tree</a:t>
             </a:r>
-            <a:endParaRPr lang="en-US" sz="2400" dirty="0">
+            <a:endParaRPr lang="en-US" sz="2400" b="1" dirty="0">
               <a:latin typeface="Segoe UI" panose="020B0502040204020203" pitchFamily="34" charset="0"/>
               <a:cs typeface="Segoe UI" panose="020B0502040204020203" pitchFamily="34" charset="0"/>
             </a:endParaRPr>
@@ -3856,7 +3848,7 @@
         <p:spPr>
           <a:xfrm>
             <a:off x="363086" y="835819"/>
-            <a:ext cx="11945129" cy="646331"/>
+            <a:ext cx="8980920" cy="646331"/>
           </a:xfrm>
           <a:prstGeom prst="rect">
             <a:avLst/>
@@ -3870,114 +3862,83 @@
           <a:lstStyle/>
           <a:p>
             <a:r>
-              <a:rPr lang="en-US" dirty="0" smtClean="0">
+              <a:rPr lang="en" dirty="0" smtClean="0">
                 <a:latin typeface="Segoe UI" panose="020B0502040204020203" pitchFamily="34" charset="0"/>
                 <a:cs typeface="Segoe UI" panose="020B0502040204020203" pitchFamily="34" charset="0"/>
               </a:rPr>
               <a:t>Add </a:t>
             </a:r>
             <a:r>
-              <a:rPr lang="en-US" b="1" dirty="0" smtClean="0">
+              <a:rPr lang="en" b="1" dirty="0" smtClean="0">
                 <a:latin typeface="Segoe UI" panose="020B0502040204020203" pitchFamily="34" charset="0"/>
                 <a:cs typeface="Segoe UI" panose="020B0502040204020203" pitchFamily="34" charset="0"/>
               </a:rPr>
-              <a:t>Return Quantity </a:t>
-            </a:r>
-            <a:r>
-              <a:rPr lang="en-US" dirty="0" smtClean="0">
+              <a:t>the returned quantity from the FactSales </a:t>
+            </a:r>
+            <a:r>
+              <a:rPr lang="en" dirty="0" smtClean="0">
                 <a:latin typeface="Segoe UI" panose="020B0502040204020203" pitchFamily="34" charset="0"/>
                 <a:cs typeface="Segoe UI" panose="020B0502040204020203" pitchFamily="34" charset="0"/>
               </a:rPr>
-              <a:t>from </a:t>
-            </a:r>
-            <a:r>
-              <a:rPr lang="en-US" b="1" dirty="0" err="1" smtClean="0">
+              <a:t>table to the </a:t>
+            </a:r>
+            <a:r>
+              <a:rPr lang="en" b="1" dirty="0" smtClean="0">
                 <a:latin typeface="Segoe UI" panose="020B0502040204020203" pitchFamily="34" charset="0"/>
                 <a:cs typeface="Segoe UI" panose="020B0502040204020203" pitchFamily="34" charset="0"/>
               </a:rPr>
-              <a:t>FactSales</a:t>
-            </a:r>
-            <a:r>
-              <a:rPr lang="en-US" dirty="0" smtClean="0">
-                <a:latin typeface="Segoe UI" panose="020B0502040204020203" pitchFamily="34" charset="0"/>
-                <a:cs typeface="Segoe UI" panose="020B0502040204020203" pitchFamily="34" charset="0"/>
-              </a:rPr>
-              <a:t> table to the </a:t>
-            </a:r>
-            <a:r>
-              <a:rPr lang="en-US" b="1" dirty="0" err="1" smtClean="0">
-                <a:latin typeface="Segoe UI" panose="020B0502040204020203" pitchFamily="34" charset="0"/>
-                <a:cs typeface="Segoe UI" panose="020B0502040204020203" pitchFamily="34" charset="0"/>
-              </a:rPr>
-              <a:t>Analyse</a:t>
-            </a:r>
-            <a:r>
-              <a:rPr lang="en-US" dirty="0" smtClean="0">
-                <a:latin typeface="Segoe UI" panose="020B0502040204020203" pitchFamily="34" charset="0"/>
-                <a:cs typeface="Segoe UI" panose="020B0502040204020203" pitchFamily="34" charset="0"/>
-              </a:rPr>
-              <a:t> and </a:t>
-            </a:r>
-            <a:r>
-              <a:rPr lang="en-US" b="1" dirty="0" smtClean="0">
-                <a:latin typeface="Segoe UI" panose="020B0502040204020203" pitchFamily="34" charset="0"/>
-                <a:cs typeface="Segoe UI" panose="020B0502040204020203" pitchFamily="34" charset="0"/>
-              </a:rPr>
-              <a:t>Channel Name</a:t>
-            </a:r>
-            <a:r>
-              <a:rPr lang="en-US" dirty="0" smtClean="0">
-                <a:latin typeface="Segoe UI" panose="020B0502040204020203" pitchFamily="34" charset="0"/>
-                <a:cs typeface="Segoe UI" panose="020B0502040204020203" pitchFamily="34" charset="0"/>
-              </a:rPr>
-              <a:t>, </a:t>
-            </a:r>
-            <a:r>
-              <a:rPr lang="en-US" b="1" dirty="0" smtClean="0">
-                <a:latin typeface="Segoe UI" panose="020B0502040204020203" pitchFamily="34" charset="0"/>
-                <a:cs typeface="Segoe UI" panose="020B0502040204020203" pitchFamily="34" charset="0"/>
-              </a:rPr>
-              <a:t>Promotion Type </a:t>
-            </a:r>
-            <a:r>
-              <a:rPr lang="en-US" dirty="0" smtClean="0">
+              <a:t>analysis </a:t>
+            </a:r>
+            <a:r>
+              <a:rPr lang="en" dirty="0" smtClean="0">
                 <a:latin typeface="Segoe UI" panose="020B0502040204020203" pitchFamily="34" charset="0"/>
                 <a:cs typeface="Segoe UI" panose="020B0502040204020203" pitchFamily="34" charset="0"/>
               </a:rPr>
               <a:t>and </a:t>
             </a:r>
             <a:r>
-              <a:rPr lang="en-US" b="1" dirty="0" smtClean="0">
+              <a:rPr lang="en" b="1" dirty="0" smtClean="0">
                 <a:latin typeface="Segoe UI" panose="020B0502040204020203" pitchFamily="34" charset="0"/>
                 <a:cs typeface="Segoe UI" panose="020B0502040204020203" pitchFamily="34" charset="0"/>
               </a:rPr>
-              <a:t>Brand Name</a:t>
-            </a:r>
-          </a:p>
-          <a:p>
-            <a:r>
-              <a:rPr lang="en-US" dirty="0" smtClean="0">
+              <a:t>channel name </a:t>
+            </a:r>
+            <a:r>
+              <a:rPr lang="en" dirty="0" smtClean="0">
                 <a:latin typeface="Segoe UI" panose="020B0502040204020203" pitchFamily="34" charset="0"/>
                 <a:cs typeface="Segoe UI" panose="020B0502040204020203" pitchFamily="34" charset="0"/>
               </a:rPr>
-              <a:t> to </a:t>
-            </a:r>
-            <a:r>
-              <a:rPr lang="en-US" b="1" dirty="0" smtClean="0">
+              <a:t>,</a:t>
+            </a:r>
+            <a:endParaRPr lang="fr" dirty="0" smtClean="0">
+              <a:latin typeface="Segoe UI" panose="020B0502040204020203" pitchFamily="34" charset="0"/>
+              <a:cs typeface="Segoe UI" panose="020B0502040204020203" pitchFamily="34" charset="0"/>
+            </a:endParaRPr>
+          </a:p>
+          <a:p>
+            <a:r>
+              <a:rPr lang="en" dirty="0" smtClean="0">
                 <a:latin typeface="Segoe UI" panose="020B0502040204020203" pitchFamily="34" charset="0"/>
                 <a:cs typeface="Segoe UI" panose="020B0502040204020203" pitchFamily="34" charset="0"/>
               </a:rPr>
-              <a:t>Explain by  </a:t>
-            </a:r>
-            <a:r>
-              <a:rPr lang="en-US" dirty="0" smtClean="0">
+              <a:t>to the type of promotion and the brand name and</a:t>
+            </a:r>
+            <a:r>
+              <a:rPr lang="en" b="1" dirty="0" smtClean="0">
                 <a:latin typeface="Segoe UI" panose="020B0502040204020203" pitchFamily="34" charset="0"/>
                 <a:cs typeface="Segoe UI" panose="020B0502040204020203" pitchFamily="34" charset="0"/>
               </a:rPr>
-              <a:t>and observe</a:t>
-            </a:r>
-            <a:r>
-              <a:rPr lang="en-US" b="1" dirty="0" smtClean="0">
+              <a:t> </a:t>
+            </a:r>
+            <a:r>
+              <a:rPr lang="en" dirty="0" smtClean="0">
+                <a:latin typeface="Segoe UI" panose="020B0502040204020203" pitchFamily="34" charset="0"/>
+                <a:cs typeface="Segoe UI" panose="020B0502040204020203" pitchFamily="34" charset="0"/>
+              </a:rPr>
+              <a:t>observe</a:t>
+            </a:r>
+            <a:r>
+              <a:rPr lang="en" b="1" dirty="0" smtClean="0">
                 <a:latin typeface="Segoe UI" panose="020B0502040204020203" pitchFamily="34" charset="0"/>
                 <a:cs typeface="Segoe UI" panose="020B0502040204020203" pitchFamily="34" charset="0"/>
               </a:rPr>
@@ -4081,18 +4042,18 @@
           <a:lstStyle/>
           <a:p>
             <a:r>
-              <a:rPr lang="en-US" dirty="0" smtClean="0">
+              <a:rPr lang="en" dirty="0" smtClean="0">
                 <a:latin typeface="Segoe UI" panose="020B0502040204020203" pitchFamily="34" charset="0"/>
                 <a:cs typeface="Segoe UI" panose="020B0502040204020203" pitchFamily="34" charset="0"/>
               </a:rPr>
-              <a:t>The total of </a:t>
-            </a:r>
-            <a:r>
-              <a:rPr lang="en-US" b="1" dirty="0">
+              <a:t>The total </a:t>
+            </a:r>
+            <a:r>
+              <a:rPr lang="en" b="1" dirty="0">
                 <a:latin typeface="Segoe UI" panose="020B0502040204020203" pitchFamily="34" charset="0"/>
                 <a:cs typeface="Segoe UI" panose="020B0502040204020203" pitchFamily="34" charset="0"/>
               </a:rPr>
-              <a:t>Return Quantity </a:t>
+              <a:t>quantity returned</a:t>
             </a:r>
             <a:endParaRPr lang="en-US" dirty="0"/>
           </a:p>
@@ -4156,11 +4117,11 @@
           <a:lstStyle/>
           <a:p>
             <a:r>
-              <a:rPr lang="en-US" dirty="0" smtClean="0">
+              <a:rPr lang="en" dirty="0" smtClean="0">
                 <a:latin typeface="Segoe UI" panose="020B0502040204020203" pitchFamily="34" charset="0"/>
                 <a:cs typeface="Segoe UI" panose="020B0502040204020203" pitchFamily="34" charset="0"/>
               </a:rPr>
-              <a:t>Analysis suggestions</a:t>
+              <a:t>Suggestions for analysis</a:t>
             </a:r>
             <a:endParaRPr lang="en-US" dirty="0"/>
           </a:p>
@@ -4205,7 +4166,7 @@
         <p:spPr>
           <a:xfrm>
             <a:off x="323133" y="192505"/>
-            <a:ext cx="2865656" cy="461665"/>
+            <a:ext cx="3686009" cy="461665"/>
           </a:xfrm>
           <a:prstGeom prst="rect">
             <a:avLst/>
@@ -4219,13 +4180,13 @@
           <a:lstStyle/>
           <a:p>
             <a:r>
-              <a:rPr lang="en-US" sz="2400" dirty="0" smtClean="0">
+              <a:rPr lang="en" sz="2400" b="1" dirty="0" smtClean="0">
                 <a:latin typeface="Segoe UI" panose="020B0502040204020203" pitchFamily="34" charset="0"/>
                 <a:cs typeface="Segoe UI" panose="020B0502040204020203" pitchFamily="34" charset="0"/>
               </a:rPr>
               <a:t>Decomposition tree</a:t>
             </a:r>
-            <a:endParaRPr lang="en-US" sz="2400" dirty="0">
+            <a:endParaRPr lang="en-US" sz="2400" b="1" dirty="0">
               <a:latin typeface="Segoe UI" panose="020B0502040204020203" pitchFamily="34" charset="0"/>
               <a:cs typeface="Segoe UI" panose="020B0502040204020203" pitchFamily="34" charset="0"/>
             </a:endParaRPr>
@@ -4241,7 +4202,7 @@
         <p:spPr>
           <a:xfrm>
             <a:off x="452463" y="801444"/>
-            <a:ext cx="1877437" cy="584775"/>
+            <a:ext cx="2565745" cy="584775"/>
           </a:xfrm>
           <a:prstGeom prst="rect">
             <a:avLst/>
@@ -4249,45 +4210,31 @@
           <a:noFill/>
         </p:spPr>
         <p:txBody>
-          <a:bodyPr wrap="none" rtlCol="0">
+          <a:bodyPr wrap="square" rtlCol="0">
             <a:spAutoFit/>
           </a:bodyPr>
           <a:lstStyle/>
           <a:p>
             <a:r>
-              <a:rPr lang="fr-FR" dirty="0" smtClean="0">
+              <a:rPr lang="en" dirty="0" smtClean="0">
                 <a:latin typeface="Segoe UI" panose="020B0502040204020203" pitchFamily="34" charset="0"/>
                 <a:cs typeface="Segoe UI" panose="020B0502040204020203" pitchFamily="34" charset="0"/>
               </a:rPr>
-              <a:t>Click on </a:t>
-            </a:r>
-            <a:r>
-              <a:rPr lang="fr-FR" sz="3200" dirty="0" smtClean="0">
+              <a:t>Click on the sign</a:t>
+            </a:r>
+            <a:r>
+              <a:rPr lang="en" b="1" dirty="0" smtClean="0">
+                <a:latin typeface="Segoe UI" panose="020B0502040204020203" pitchFamily="34" charset="0"/>
+                <a:cs typeface="Segoe UI" panose="020B0502040204020203" pitchFamily="34" charset="0"/>
+              </a:rPr>
+              <a:t> </a:t>
+            </a:r>
+            <a:r>
+              <a:rPr lang="en" sz="3200" dirty="0" smtClean="0">
                 <a:latin typeface="Segoe UI" panose="020B0502040204020203" pitchFamily="34" charset="0"/>
                 <a:cs typeface="Segoe UI" panose="020B0502040204020203" pitchFamily="34" charset="0"/>
               </a:rPr>
               <a:t>+</a:t>
-            </a:r>
-            <a:r>
-              <a:rPr lang="fr-FR" dirty="0" smtClean="0">
-                <a:latin typeface="Segoe UI" panose="020B0502040204020203" pitchFamily="34" charset="0"/>
-                <a:cs typeface="Segoe UI" panose="020B0502040204020203" pitchFamily="34" charset="0"/>
-              </a:rPr>
-              <a:t> </a:t>
-            </a:r>
-            <a:r>
-              <a:rPr lang="fr-FR" dirty="0" err="1" smtClean="0">
-                <a:latin typeface="Segoe UI" panose="020B0502040204020203" pitchFamily="34" charset="0"/>
-                <a:cs typeface="Segoe UI" panose="020B0502040204020203" pitchFamily="34" charset="0"/>
-              </a:rPr>
-              <a:t>sign</a:t>
-            </a:r>
-            <a:r>
-              <a:rPr lang="fr-FR" dirty="0" smtClean="0">
-                <a:latin typeface="Segoe UI" panose="020B0502040204020203" pitchFamily="34" charset="0"/>
-                <a:cs typeface="Segoe UI" panose="020B0502040204020203" pitchFamily="34" charset="0"/>
-              </a:rPr>
-              <a:t> </a:t>
             </a:r>
             <a:endParaRPr lang="en-US" b="1" dirty="0">
               <a:latin typeface="Segoe UI" panose="020B0502040204020203" pitchFamily="34" charset="0"/>
@@ -4332,13 +4279,15 @@
       <p:cxnSp>
         <p:nvCxnSpPr>
           <p:cNvPr id="6" name="Straight Arrow Connector 5"/>
-          <p:cNvCxnSpPr/>
+          <p:cNvCxnSpPr>
+            <a:stCxn id="13" idx="1"/>
+          </p:cNvCxnSpPr>
           <p:nvPr/>
         </p:nvCxnSpPr>
         <p:spPr>
           <a:xfrm flipH="1">
-            <a:off x="3801979" y="1386219"/>
-            <a:ext cx="2770701" cy="518208"/>
+            <a:off x="3767603" y="1730105"/>
+            <a:ext cx="2792474" cy="176519"/>
           </a:xfrm>
           <a:prstGeom prst="straightConnector1">
             <a:avLst/>
@@ -4373,8 +4322,8 @@
         </p:nvSpPr>
         <p:spPr>
           <a:xfrm>
-            <a:off x="6572680" y="967594"/>
-            <a:ext cx="5692649" cy="1477328"/>
+            <a:off x="6560077" y="298944"/>
+            <a:ext cx="3671350" cy="2862322"/>
           </a:xfrm>
           <a:prstGeom prst="rect">
             <a:avLst/>
@@ -4382,109 +4331,67 @@
           <a:noFill/>
         </p:spPr>
         <p:txBody>
-          <a:bodyPr wrap="none" rtlCol="0">
+          <a:bodyPr wrap="square" rtlCol="0">
             <a:spAutoFit/>
           </a:bodyPr>
           <a:lstStyle/>
           <a:p>
             <a:r>
-              <a:rPr lang="fr-FR" dirty="0" smtClean="0">
+              <a:rPr lang="en" dirty="0" smtClean="0">
                 <a:latin typeface="Segoe UI" panose="020B0502040204020203" pitchFamily="34" charset="0"/>
                 <a:cs typeface="Segoe UI" panose="020B0502040204020203" pitchFamily="34" charset="0"/>
               </a:rPr>
-              <a:t>If </a:t>
-            </a:r>
-            <a:r>
-              <a:rPr lang="en-US" dirty="0" smtClean="0">
+              <a:t>If you click first, Power BI will suggest it based on</a:t>
+            </a:r>
+          </a:p>
+          <a:p>
+            <a:r>
+              <a:rPr lang="en" dirty="0" smtClean="0">
                 <a:latin typeface="Segoe UI" panose="020B0502040204020203" pitchFamily="34" charset="0"/>
                 <a:cs typeface="Segoe UI" panose="020B0502040204020203" pitchFamily="34" charset="0"/>
               </a:rPr>
-              <a:t>clicked</a:t>
-            </a:r>
-            <a:r>
-              <a:rPr lang="fr-FR" dirty="0" smtClean="0">
+              <a:t>IA which axis of analysis </a:t>
+            </a:r>
+            <a:r>
+              <a:rPr lang="en" dirty="0">
                 <a:latin typeface="Segoe UI" panose="020B0502040204020203" pitchFamily="34" charset="0"/>
                 <a:cs typeface="Segoe UI" panose="020B0502040204020203" pitchFamily="34" charset="0"/>
               </a:rPr>
-              <a:t> first </a:t>
-            </a:r>
-            <a:r>
-              <a:rPr lang="en-US" dirty="0" smtClean="0">
+              <a:t>comes </a:t>
+            </a:r>
+            <a:r>
+              <a:rPr lang="en" dirty="0" smtClean="0">
                 <a:latin typeface="Segoe UI" panose="020B0502040204020203" pitchFamily="34" charset="0"/>
                 <a:cs typeface="Segoe UI" panose="020B0502040204020203" pitchFamily="34" charset="0"/>
               </a:rPr>
-              <a:t>then</a:t>
-            </a:r>
-            <a:r>
-              <a:rPr lang="fr-FR" dirty="0" smtClean="0">
+              <a:t>first, i.e. the type of promotion</a:t>
+            </a:r>
+          </a:p>
+          <a:p>
+            <a:r>
+              <a:rPr lang="en" dirty="0" smtClean="0">
                 <a:latin typeface="Segoe UI" panose="020B0502040204020203" pitchFamily="34" charset="0"/>
                 <a:cs typeface="Segoe UI" panose="020B0502040204020203" pitchFamily="34" charset="0"/>
               </a:rPr>
-              <a:t> Power BI </a:t>
-            </a:r>
-            <a:r>
-              <a:rPr lang="en-US" dirty="0" smtClean="0">
+              <a:t>or the brand name or the channel name and that gives</a:t>
+            </a:r>
+          </a:p>
+          <a:p>
+            <a:r>
+              <a:rPr lang="en" dirty="0" smtClean="0">
                 <a:latin typeface="Segoe UI" panose="020B0502040204020203" pitchFamily="34" charset="0"/>
                 <a:cs typeface="Segoe UI" panose="020B0502040204020203" pitchFamily="34" charset="0"/>
               </a:rPr>
-              <a:t>will</a:t>
-            </a:r>
-            <a:r>
-              <a:rPr lang="fr-FR" dirty="0" smtClean="0">
+              <a:t>the highest values of the return quantities based on this</a:t>
+            </a:r>
+          </a:p>
+          <a:p>
+            <a:r>
+              <a:rPr lang="en" dirty="0" smtClean="0">
                 <a:latin typeface="Segoe UI" panose="020B0502040204020203" pitchFamily="34" charset="0"/>
                 <a:cs typeface="Segoe UI" panose="020B0502040204020203" pitchFamily="34" charset="0"/>
               </a:rPr>
-              <a:t> </a:t>
-            </a:r>
-            <a:r>
-              <a:rPr lang="en-US" dirty="0" smtClean="0">
-                <a:latin typeface="Segoe UI" panose="020B0502040204020203" pitchFamily="34" charset="0"/>
-                <a:cs typeface="Segoe UI" panose="020B0502040204020203" pitchFamily="34" charset="0"/>
-              </a:rPr>
-              <a:t>suggest based on</a:t>
-            </a:r>
-          </a:p>
-          <a:p>
-            <a:r>
-              <a:rPr lang="en-US" dirty="0" smtClean="0">
-                <a:latin typeface="Segoe UI" panose="020B0502040204020203" pitchFamily="34" charset="0"/>
-                <a:cs typeface="Segoe UI" panose="020B0502040204020203" pitchFamily="34" charset="0"/>
-              </a:rPr>
-              <a:t>AI what analysis axe comes first either Promotion Type</a:t>
-            </a:r>
-          </a:p>
-          <a:p>
-            <a:r>
-              <a:rPr lang="en-US" dirty="0" smtClean="0">
-                <a:latin typeface="Segoe UI" panose="020B0502040204020203" pitchFamily="34" charset="0"/>
-                <a:cs typeface="Segoe UI" panose="020B0502040204020203" pitchFamily="34" charset="0"/>
-              </a:rPr>
-              <a:t>Or Brand Name or Channel Name and it gives</a:t>
-            </a:r>
-          </a:p>
-          <a:p>
-            <a:r>
-              <a:rPr lang="en-US" dirty="0" smtClean="0">
-                <a:latin typeface="Segoe UI" panose="020B0502040204020203" pitchFamily="34" charset="0"/>
-                <a:cs typeface="Segoe UI" panose="020B0502040204020203" pitchFamily="34" charset="0"/>
-              </a:rPr>
-              <a:t>The highest values of Return Quantities based on that</a:t>
-            </a:r>
-          </a:p>
-          <a:p>
-            <a:r>
-              <a:rPr lang="en-US" dirty="0" smtClean="0">
-                <a:latin typeface="Segoe UI" panose="020B0502040204020203" pitchFamily="34" charset="0"/>
-                <a:cs typeface="Segoe UI" panose="020B0502040204020203" pitchFamily="34" charset="0"/>
-              </a:rPr>
-              <a:t>Analysis axe</a:t>
-            </a:r>
-            <a:r>
-              <a:rPr lang="fr-FR" dirty="0" smtClean="0">
-                <a:latin typeface="Segoe UI" panose="020B0502040204020203" pitchFamily="34" charset="0"/>
-                <a:cs typeface="Segoe UI" panose="020B0502040204020203" pitchFamily="34" charset="0"/>
-              </a:rPr>
-              <a:t> </a:t>
+              <a:t>Axis of analysis</a:t>
             </a:r>
             <a:endParaRPr lang="en-US" b="1" dirty="0">
               <a:latin typeface="Segoe UI" panose="020B0502040204020203" pitchFamily="34" charset="0"/>
@@ -4501,8 +4408,8 @@
         </p:nvSpPr>
         <p:spPr>
           <a:xfrm>
-            <a:off x="6285068" y="2629758"/>
-            <a:ext cx="5692649" cy="1477328"/>
+            <a:off x="6443197" y="3667911"/>
+            <a:ext cx="4371473" cy="2585323"/>
           </a:xfrm>
           <a:prstGeom prst="rect">
             <a:avLst/>
@@ -4510,109 +4417,53 @@
           <a:noFill/>
         </p:spPr>
         <p:txBody>
-          <a:bodyPr wrap="none" rtlCol="0">
+          <a:bodyPr wrap="square" rtlCol="0">
             <a:spAutoFit/>
           </a:bodyPr>
           <a:lstStyle/>
           <a:p>
             <a:r>
-              <a:rPr lang="fr-FR" dirty="0" smtClean="0">
+              <a:rPr lang="en" dirty="0" smtClean="0">
                 <a:latin typeface="Segoe UI" panose="020B0502040204020203" pitchFamily="34" charset="0"/>
                 <a:cs typeface="Segoe UI" panose="020B0502040204020203" pitchFamily="34" charset="0"/>
               </a:rPr>
-              <a:t>If </a:t>
-            </a:r>
-            <a:r>
-              <a:rPr lang="en-US" dirty="0" smtClean="0">
+              <a:t>If you click first, Power BI will suggest it based on</a:t>
+            </a:r>
+          </a:p>
+          <a:p>
+            <a:r>
+              <a:rPr lang="en" dirty="0" smtClean="0">
                 <a:latin typeface="Segoe UI" panose="020B0502040204020203" pitchFamily="34" charset="0"/>
                 <a:cs typeface="Segoe UI" panose="020B0502040204020203" pitchFamily="34" charset="0"/>
               </a:rPr>
-              <a:t>clicked</a:t>
-            </a:r>
-            <a:r>
-              <a:rPr lang="fr-FR" dirty="0" smtClean="0">
+              <a:t>AI which analysis axis comes first is the type of promotion</a:t>
+            </a:r>
+          </a:p>
+          <a:p>
+            <a:r>
+              <a:rPr lang="en" dirty="0" smtClean="0">
                 <a:latin typeface="Segoe UI" panose="020B0502040204020203" pitchFamily="34" charset="0"/>
                 <a:cs typeface="Segoe UI" panose="020B0502040204020203" pitchFamily="34" charset="0"/>
               </a:rPr>
-              <a:t> first </a:t>
-            </a:r>
-            <a:r>
-              <a:rPr lang="en-US" dirty="0" smtClean="0">
+              <a:t>Or the brand name or the channel name and that gives</a:t>
+            </a:r>
+          </a:p>
+          <a:p>
+            <a:r>
+              <a:rPr lang="en" dirty="0" smtClean="0">
                 <a:latin typeface="Segoe UI" panose="020B0502040204020203" pitchFamily="34" charset="0"/>
                 <a:cs typeface="Segoe UI" panose="020B0502040204020203" pitchFamily="34" charset="0"/>
               </a:rPr>
-              <a:t>then</a:t>
-            </a:r>
-            <a:r>
-              <a:rPr lang="fr-FR" dirty="0" smtClean="0">
+              <a:t>The lowest values of return quantities based on this</a:t>
+            </a:r>
+          </a:p>
+          <a:p>
+            <a:r>
+              <a:rPr lang="en" dirty="0" smtClean="0">
                 <a:latin typeface="Segoe UI" panose="020B0502040204020203" pitchFamily="34" charset="0"/>
                 <a:cs typeface="Segoe UI" panose="020B0502040204020203" pitchFamily="34" charset="0"/>
               </a:rPr>
-              <a:t> Power BI </a:t>
-            </a:r>
-            <a:r>
-              <a:rPr lang="en-US" dirty="0" smtClean="0">
-                <a:latin typeface="Segoe UI" panose="020B0502040204020203" pitchFamily="34" charset="0"/>
-                <a:cs typeface="Segoe UI" panose="020B0502040204020203" pitchFamily="34" charset="0"/>
-              </a:rPr>
-              <a:t>will</a:t>
-            </a:r>
-            <a:r>
-              <a:rPr lang="fr-FR" dirty="0" smtClean="0">
-                <a:latin typeface="Segoe UI" panose="020B0502040204020203" pitchFamily="34" charset="0"/>
-                <a:cs typeface="Segoe UI" panose="020B0502040204020203" pitchFamily="34" charset="0"/>
-              </a:rPr>
-              <a:t> </a:t>
-            </a:r>
-            <a:r>
-              <a:rPr lang="en-US" dirty="0" smtClean="0">
-                <a:latin typeface="Segoe UI" panose="020B0502040204020203" pitchFamily="34" charset="0"/>
-                <a:cs typeface="Segoe UI" panose="020B0502040204020203" pitchFamily="34" charset="0"/>
-              </a:rPr>
-              <a:t>suggest based on</a:t>
-            </a:r>
-          </a:p>
-          <a:p>
-            <a:r>
-              <a:rPr lang="en-US" dirty="0" smtClean="0">
-                <a:latin typeface="Segoe UI" panose="020B0502040204020203" pitchFamily="34" charset="0"/>
-                <a:cs typeface="Segoe UI" panose="020B0502040204020203" pitchFamily="34" charset="0"/>
-              </a:rPr>
-              <a:t>AI what analysis axe comes first either Promotion Type</a:t>
-            </a:r>
-          </a:p>
-          <a:p>
-            <a:r>
-              <a:rPr lang="en-US" dirty="0" smtClean="0">
-                <a:latin typeface="Segoe UI" panose="020B0502040204020203" pitchFamily="34" charset="0"/>
-                <a:cs typeface="Segoe UI" panose="020B0502040204020203" pitchFamily="34" charset="0"/>
-              </a:rPr>
-              <a:t>Or Brand Name or Channel Name and it gives</a:t>
-            </a:r>
-          </a:p>
-          <a:p>
-            <a:r>
-              <a:rPr lang="en-US" dirty="0" smtClean="0">
-                <a:latin typeface="Segoe UI" panose="020B0502040204020203" pitchFamily="34" charset="0"/>
-                <a:cs typeface="Segoe UI" panose="020B0502040204020203" pitchFamily="34" charset="0"/>
-              </a:rPr>
-              <a:t>The lowest values of Return Quantities based on that</a:t>
-            </a:r>
-          </a:p>
-          <a:p>
-            <a:r>
-              <a:rPr lang="en-US" dirty="0" smtClean="0">
-                <a:latin typeface="Segoe UI" panose="020B0502040204020203" pitchFamily="34" charset="0"/>
-                <a:cs typeface="Segoe UI" panose="020B0502040204020203" pitchFamily="34" charset="0"/>
-              </a:rPr>
-              <a:t>Analysis axe</a:t>
-            </a:r>
-            <a:r>
-              <a:rPr lang="fr-FR" dirty="0" smtClean="0">
-                <a:latin typeface="Segoe UI" panose="020B0502040204020203" pitchFamily="34" charset="0"/>
-                <a:cs typeface="Segoe UI" panose="020B0502040204020203" pitchFamily="34" charset="0"/>
-              </a:rPr>
-              <a:t> </a:t>
+              <a:t>Axis of analysis</a:t>
             </a:r>
             <a:endParaRPr lang="en-US" b="1" dirty="0">
               <a:latin typeface="Segoe UI" panose="020B0502040204020203" pitchFamily="34" charset="0"/>
@@ -4624,13 +4475,15 @@
       <p:cxnSp>
         <p:nvCxnSpPr>
           <p:cNvPr id="16" name="Straight Arrow Connector 15"/>
-          <p:cNvCxnSpPr/>
+          <p:cNvCxnSpPr>
+            <a:stCxn id="15" idx="1"/>
+          </p:cNvCxnSpPr>
           <p:nvPr/>
         </p:nvCxnSpPr>
         <p:spPr>
           <a:xfrm flipH="1" flipV="1">
-            <a:off x="3706873" y="2323052"/>
-            <a:ext cx="2578195" cy="743282"/>
+            <a:off x="3706874" y="2323052"/>
+            <a:ext cx="2736323" cy="2637521"/>
           </a:xfrm>
           <a:prstGeom prst="straightConnector1">
             <a:avLst/>
@@ -4696,7 +4549,7 @@
         <p:spPr>
           <a:xfrm>
             <a:off x="323133" y="192505"/>
-            <a:ext cx="2865656" cy="461665"/>
+            <a:ext cx="3686009" cy="461665"/>
           </a:xfrm>
           <a:prstGeom prst="rect">
             <a:avLst/>
@@ -4710,13 +4563,13 @@
           <a:lstStyle/>
           <a:p>
             <a:r>
-              <a:rPr lang="en-US" sz="2400" dirty="0" smtClean="0">
+              <a:rPr lang="en" sz="2400" b="1" dirty="0" smtClean="0">
                 <a:latin typeface="Segoe UI" panose="020B0502040204020203" pitchFamily="34" charset="0"/>
                 <a:cs typeface="Segoe UI" panose="020B0502040204020203" pitchFamily="34" charset="0"/>
               </a:rPr>
               <a:t>Decomposition tree</a:t>
             </a:r>
-            <a:endParaRPr lang="en-US" sz="2400" dirty="0">
+            <a:endParaRPr lang="en-US" sz="2400" b="1" dirty="0">
               <a:latin typeface="Segoe UI" panose="020B0502040204020203" pitchFamily="34" charset="0"/>
               <a:cs typeface="Segoe UI" panose="020B0502040204020203" pitchFamily="34" charset="0"/>
             </a:endParaRPr>
@@ -4746,25 +4599,25 @@
           <a:lstStyle/>
           <a:p>
             <a:r>
-              <a:rPr lang="en-US" dirty="0" smtClean="0">
+              <a:rPr lang="en" dirty="0" smtClean="0">
                 <a:latin typeface="Segoe UI" panose="020B0502040204020203" pitchFamily="34" charset="0"/>
                 <a:cs typeface="Segoe UI" panose="020B0502040204020203" pitchFamily="34" charset="0"/>
               </a:rPr>
-              <a:t>Click on </a:t>
-            </a:r>
-            <a:r>
-              <a:rPr lang="en-US" sz="3200" dirty="0" smtClean="0">
+              <a:t>Click the </a:t>
+            </a:r>
+            <a:r>
+              <a:rPr lang="en" sz="3200" dirty="0" smtClean="0">
                 <a:latin typeface="Segoe UI" panose="020B0502040204020203" pitchFamily="34" charset="0"/>
                 <a:cs typeface="Segoe UI" panose="020B0502040204020203" pitchFamily="34" charset="0"/>
               </a:rPr>
-              <a:t>+</a:t>
-            </a:r>
-            <a:r>
-              <a:rPr lang="en-US" dirty="0" smtClean="0">
+              <a:t>+ sign </a:t>
+            </a:r>
+            <a:r>
+              <a:rPr lang="en" dirty="0" smtClean="0">
                 <a:latin typeface="Segoe UI" panose="020B0502040204020203" pitchFamily="34" charset="0"/>
                 <a:cs typeface="Segoe UI" panose="020B0502040204020203" pitchFamily="34" charset="0"/>
               </a:rPr>
-              <a:t> sign proposes the Brand Name that comes first </a:t>
+              <a:t>to suggest the brand name that comes first</a:t>
             </a:r>
             <a:endParaRPr lang="en-US" b="1" dirty="0">
               <a:latin typeface="Segoe UI" panose="020B0502040204020203" pitchFamily="34" charset="0"/>
@@ -4861,23 +4714,23 @@
           <a:lstStyle/>
           <a:p>
             <a:r>
-              <a:rPr lang="en-US" dirty="0" smtClean="0">
+              <a:rPr lang="en" dirty="0" smtClean="0">
                 <a:latin typeface="Segoe UI" panose="020B0502040204020203" pitchFamily="34" charset="0"/>
                 <a:cs typeface="Segoe UI" panose="020B0502040204020203" pitchFamily="34" charset="0"/>
               </a:rPr>
-              <a:t>The light blub indicates that the analysis axis is chosen by </a:t>
-            </a:r>
-          </a:p>
-          <a:p>
-            <a:r>
-              <a:rPr lang="fr-FR" dirty="0">
+              <a:t>The light blur indicates that the analysis axis is chosen by</a:t>
+            </a:r>
+          </a:p>
+          <a:p>
+            <a:r>
+              <a:rPr lang="en" dirty="0">
                 <a:latin typeface="Segoe UI" panose="020B0502040204020203" pitchFamily="34" charset="0"/>
                 <a:cs typeface="Segoe UI" panose="020B0502040204020203" pitchFamily="34" charset="0"/>
               </a:rPr>
               <a:t> </a:t>
             </a:r>
             <a:r>
-              <a:rPr lang="fr-FR" dirty="0" smtClean="0">
+              <a:rPr lang="en" dirty="0" smtClean="0">
                 <a:latin typeface="Segoe UI" panose="020B0502040204020203" pitchFamily="34" charset="0"/>
                 <a:cs typeface="Segoe UI" panose="020B0502040204020203" pitchFamily="34" charset="0"/>
               </a:rPr>
@@ -4926,7 +4779,7 @@
         <p:spPr>
           <a:xfrm>
             <a:off x="323133" y="192505"/>
-            <a:ext cx="2865656" cy="461665"/>
+            <a:ext cx="3686009" cy="461665"/>
           </a:xfrm>
           <a:prstGeom prst="rect">
             <a:avLst/>
@@ -4940,13 +4793,13 @@
           <a:lstStyle/>
           <a:p>
             <a:r>
-              <a:rPr lang="en-US" sz="2400" dirty="0" smtClean="0">
+              <a:rPr lang="en" sz="2400" b="1" dirty="0" smtClean="0">
                 <a:latin typeface="Segoe UI" panose="020B0502040204020203" pitchFamily="34" charset="0"/>
                 <a:cs typeface="Segoe UI" panose="020B0502040204020203" pitchFamily="34" charset="0"/>
               </a:rPr>
               <a:t>Decomposition tree</a:t>
             </a:r>
-            <a:endParaRPr lang="en-US" sz="2400" dirty="0">
+            <a:endParaRPr lang="en-US" sz="2400" b="1" dirty="0">
               <a:latin typeface="Segoe UI" panose="020B0502040204020203" pitchFamily="34" charset="0"/>
               <a:cs typeface="Segoe UI" panose="020B0502040204020203" pitchFamily="34" charset="0"/>
             </a:endParaRPr>
@@ -4961,7 +4814,7 @@
         </p:nvSpPr>
         <p:spPr>
           <a:xfrm>
-            <a:off x="323133" y="849570"/>
+            <a:off x="238386" y="613374"/>
             <a:ext cx="10842172" cy="646331"/>
           </a:xfrm>
           <a:prstGeom prst="rect">
@@ -4976,39 +4829,11 @@
           <a:lstStyle/>
           <a:p>
             <a:r>
-              <a:rPr lang="en-US" dirty="0" smtClean="0">
+              <a:rPr lang="en" dirty="0" smtClean="0">
                 <a:latin typeface="Segoe UI" panose="020B0502040204020203" pitchFamily="34" charset="0"/>
                 <a:cs typeface="Segoe UI" panose="020B0502040204020203" pitchFamily="34" charset="0"/>
               </a:rPr>
-              <a:t>Double click on the </a:t>
-            </a:r>
-            <a:r>
-              <a:rPr lang="en-US" dirty="0" smtClean="0">
-                <a:latin typeface="Segoe UI" panose="020B0502040204020203" pitchFamily="34" charset="0"/>
-                <a:cs typeface="Segoe UI" panose="020B0502040204020203" pitchFamily="34" charset="0"/>
-              </a:rPr>
-              <a:t>a</a:t>
-            </a:r>
-            <a:r>
-              <a:rPr lang="en-US" dirty="0" smtClean="0">
-                <a:latin typeface="Segoe UI" panose="020B0502040204020203" pitchFamily="34" charset="0"/>
-                <a:cs typeface="Segoe UI" panose="020B0502040204020203" pitchFamily="34" charset="0"/>
-              </a:rPr>
-              <a:t>nalysis axis and a Lock sign will appear        that means tha</a:t>
-            </a:r>
-            <a:r>
-              <a:rPr lang="en-US" dirty="0" smtClean="0">
-                <a:latin typeface="Segoe UI" panose="020B0502040204020203" pitchFamily="34" charset="0"/>
-                <a:cs typeface="Segoe UI" panose="020B0502040204020203" pitchFamily="34" charset="0"/>
-              </a:rPr>
-              <a:t>t axis is now fixed and couldn’t be replaced until it is unlocked                                     the       will disappear if   </a:t>
-            </a:r>
-            <a:r>
-              <a:rPr lang="en-US" dirty="0" smtClean="0">
-                <a:latin typeface="Segoe UI" panose="020B0502040204020203" pitchFamily="34" charset="0"/>
-                <a:cs typeface="Segoe UI" panose="020B0502040204020203" pitchFamily="34" charset="0"/>
-              </a:rPr>
-              <a:t> </a:t>
+              <a:t>Double-click on the analysis axis and a lock sign will appear, meaning the axis is now fixed and cannot be replaced until it is unlocked.</a:t>
             </a:r>
             <a:endParaRPr lang="en-US" dirty="0">
               <a:latin typeface="Segoe UI" panose="020B0502040204020203" pitchFamily="34" charset="0"/>
@@ -5056,7 +4881,7 @@
         </p:blipFill>
         <p:spPr>
           <a:xfrm>
-            <a:off x="6510802" y="849570"/>
+            <a:off x="6510802" y="595702"/>
             <a:ext cx="247508" cy="312337"/>
           </a:xfrm>
           <a:prstGeom prst="rect">
@@ -5105,29 +4930,6 @@
           <a:xfrm>
             <a:off x="7108946" y="1215467"/>
             <a:ext cx="185630" cy="233756"/>
-          </a:xfrm>
-          <a:prstGeom prst="rect">
-            <a:avLst/>
-          </a:prstGeom>
-        </p:spPr>
-      </p:pic>
-      <p:pic>
-        <p:nvPicPr>
-          <p:cNvPr id="12" name="Picture 11"/>
-          <p:cNvPicPr>
-            <a:picLocks noChangeAspect="1"/>
-          </p:cNvPicPr>
-          <p:nvPr/>
-        </p:nvPicPr>
-        <p:blipFill rotWithShape="1">
-          <a:blip r:embed="rId3"/>
-          <a:srcRect l="32401" t="3264" r="65401" b="93113"/>
-          <a:stretch/>
-        </p:blipFill>
-        <p:spPr>
-          <a:xfrm>
-            <a:off x="9061496" y="1172735"/>
-            <a:ext cx="202819" cy="255943"/>
           </a:xfrm>
           <a:prstGeom prst="rect">
             <a:avLst/>
@@ -5219,8 +5021,8 @@
         </p:nvSpPr>
         <p:spPr>
           <a:xfrm>
-            <a:off x="2916199" y="2162433"/>
-            <a:ext cx="6230360" cy="1569660"/>
+            <a:off x="2705200" y="2451191"/>
+            <a:ext cx="6610679" cy="1569660"/>
           </a:xfrm>
           <a:prstGeom prst="rect">
             <a:avLst/>
@@ -5228,7 +5030,7 @@
           <a:noFill/>
         </p:spPr>
         <p:txBody>
-          <a:bodyPr wrap="none" rtlCol="0">
+          <a:bodyPr wrap="square" rtlCol="0">
             <a:spAutoFit/>
           </a:bodyPr>
           <a:lstStyle/>
@@ -5263,8 +5065,8 @@
         </p:nvSpPr>
         <p:spPr>
           <a:xfrm>
-            <a:off x="2990336" y="2217861"/>
-            <a:ext cx="6230360" cy="1569660"/>
+            <a:off x="2642579" y="2382866"/>
+            <a:ext cx="7374570" cy="1569660"/>
           </a:xfrm>
           <a:prstGeom prst="rect">
             <a:avLst/>
@@ -5272,7 +5074,7 @@
           <a:noFill/>
         </p:spPr>
         <p:txBody>
-          <a:bodyPr wrap="none" rtlCol="0">
+          <a:bodyPr wrap="square" rtlCol="0">
             <a:spAutoFit/>
           </a:bodyPr>
           <a:lstStyle/>

--- a/English/6.Visuals/16.Decomposition Tree.pptx
+++ b/English/6.Visuals/16.Decomposition Tree.pptx
@@ -3428,8 +3428,8 @@
         </p:nvSpPr>
         <p:spPr>
           <a:xfrm>
-            <a:off x="1686723" y="1979660"/>
-            <a:ext cx="9134824" cy="2554545"/>
+            <a:off x="1638596" y="1319642"/>
+            <a:ext cx="9134824" cy="3785652"/>
           </a:xfrm>
           <a:prstGeom prst="rect">
             <a:avLst/>
@@ -3452,19 +3452,8 @@
                 <a:ea typeface="Verdana" panose="020B0604030504040204" pitchFamily="34" charset="0"/>
                 <a:cs typeface="Segoe UI" panose="020B0502040204020203" pitchFamily="34" charset="0"/>
               </a:rPr>
-              <a:t>TREE</a:t>
-            </a:r>
-            <a:endParaRPr lang="en-US" sz="8000" b="1" dirty="0" smtClean="0">
-              <a:solidFill>
-                <a:srgbClr val="7030A0"/>
-              </a:solidFill>
-              <a:latin typeface="Segoe UI" panose="020B0502040204020203" pitchFamily="34" charset="0"/>
-              <a:ea typeface="Verdana" panose="020B0604030504040204" pitchFamily="34" charset="0"/>
-              <a:cs typeface="Segoe UI" panose="020B0502040204020203" pitchFamily="34" charset="0"/>
-            </a:endParaRPr>
-          </a:p>
-          <a:p>
-            <a:pPr algn="ctr"/>
+              <a:t>D</a:t>
+            </a:r>
             <a:r>
               <a:rPr lang="en" sz="8000" b="1" dirty="0" smtClean="0">
                 <a:solidFill>
@@ -3474,7 +3463,21 @@
                 <a:ea typeface="Verdana" panose="020B0604030504040204" pitchFamily="34" charset="0"/>
                 <a:cs typeface="Segoe UI" panose="020B0502040204020203" pitchFamily="34" charset="0"/>
               </a:rPr>
-              <a:t>of decomposition</a:t>
+              <a:t>ecomposition</a:t>
+            </a:r>
+          </a:p>
+          <a:p>
+            <a:pPr algn="ctr"/>
+            <a:r>
+              <a:rPr lang="en" sz="8000" b="1" dirty="0">
+                <a:solidFill>
+                  <a:srgbClr val="7030A0"/>
+                </a:solidFill>
+                <a:latin typeface="Segoe UI" panose="020B0502040204020203" pitchFamily="34" charset="0"/>
+                <a:ea typeface="Verdana" panose="020B0604030504040204" pitchFamily="34" charset="0"/>
+                <a:cs typeface="Segoe UI" panose="020B0502040204020203" pitchFamily="34" charset="0"/>
+              </a:rPr>
+              <a:t>TREE</a:t>
             </a:r>
             <a:endParaRPr lang="en-US" sz="8000" b="1" dirty="0">
               <a:solidFill>
@@ -3485,6 +3488,17 @@
               <a:cs typeface="Segoe UI" panose="020B0502040204020203" pitchFamily="34" charset="0"/>
             </a:endParaRPr>
           </a:p>
+          <a:p>
+            <a:pPr algn="ctr"/>
+            <a:endParaRPr lang="en-US" sz="8000" b="1" dirty="0">
+              <a:solidFill>
+                <a:srgbClr val="7030A0"/>
+              </a:solidFill>
+              <a:latin typeface="Segoe UI" panose="020B0502040204020203" pitchFamily="34" charset="0"/>
+              <a:ea typeface="Verdana" panose="020B0604030504040204" pitchFamily="34" charset="0"/>
+              <a:cs typeface="Segoe UI" panose="020B0502040204020203" pitchFamily="34" charset="0"/>
+            </a:endParaRPr>
+          </a:p>
         </p:txBody>
       </p:sp>
       <p:sp>
@@ -3495,8 +3509,8 @@
         </p:nvSpPr>
         <p:spPr>
           <a:xfrm>
-            <a:off x="1632868" y="1918930"/>
-            <a:ext cx="9134824" cy="2554545"/>
+            <a:off x="1577866" y="1375790"/>
+            <a:ext cx="9134824" cy="3785652"/>
           </a:xfrm>
           <a:prstGeom prst="rect">
             <a:avLst/>
@@ -3519,19 +3533,8 @@
                 <a:ea typeface="Verdana" panose="020B0604030504040204" pitchFamily="34" charset="0"/>
                 <a:cs typeface="Segoe UI" panose="020B0502040204020203" pitchFamily="34" charset="0"/>
               </a:rPr>
-              <a:t>TREE</a:t>
-            </a:r>
-            <a:endParaRPr lang="en-US" sz="8000" b="1" dirty="0" smtClean="0">
-              <a:solidFill>
-                <a:schemeClr val="bg1"/>
-              </a:solidFill>
-              <a:latin typeface="Segoe UI" panose="020B0502040204020203" pitchFamily="34" charset="0"/>
-              <a:ea typeface="Verdana" panose="020B0604030504040204" pitchFamily="34" charset="0"/>
-              <a:cs typeface="Segoe UI" panose="020B0502040204020203" pitchFamily="34" charset="0"/>
-            </a:endParaRPr>
-          </a:p>
-          <a:p>
-            <a:pPr algn="ctr"/>
+              <a:t>D</a:t>
+            </a:r>
             <a:r>
               <a:rPr lang="en" sz="8000" b="1" dirty="0" smtClean="0">
                 <a:solidFill>
@@ -3541,8 +3544,33 @@
                 <a:ea typeface="Verdana" panose="020B0604030504040204" pitchFamily="34" charset="0"/>
                 <a:cs typeface="Segoe UI" panose="020B0502040204020203" pitchFamily="34" charset="0"/>
               </a:rPr>
-              <a:t>of decomposition</a:t>
-            </a:r>
+              <a:t>ecomposition</a:t>
+            </a:r>
+          </a:p>
+          <a:p>
+            <a:pPr algn="ctr"/>
+            <a:r>
+              <a:rPr lang="en" sz="8000" b="1" dirty="0">
+                <a:solidFill>
+                  <a:schemeClr val="bg1"/>
+                </a:solidFill>
+                <a:latin typeface="Segoe UI" panose="020B0502040204020203" pitchFamily="34" charset="0"/>
+                <a:ea typeface="Verdana" panose="020B0604030504040204" pitchFamily="34" charset="0"/>
+                <a:cs typeface="Segoe UI" panose="020B0502040204020203" pitchFamily="34" charset="0"/>
+              </a:rPr>
+              <a:t>TREE</a:t>
+            </a:r>
+            <a:endParaRPr lang="en-US" sz="8000" b="1" dirty="0">
+              <a:solidFill>
+                <a:schemeClr val="bg1"/>
+              </a:solidFill>
+              <a:latin typeface="Segoe UI" panose="020B0502040204020203" pitchFamily="34" charset="0"/>
+              <a:ea typeface="Verdana" panose="020B0604030504040204" pitchFamily="34" charset="0"/>
+              <a:cs typeface="Segoe UI" panose="020B0502040204020203" pitchFamily="34" charset="0"/>
+            </a:endParaRPr>
+          </a:p>
+          <a:p>
+            <a:pPr algn="ctr"/>
             <a:endParaRPr lang="en-US" sz="8000" b="1" dirty="0">
               <a:solidFill>
                 <a:schemeClr val="bg1"/>

--- a/English/6.Visuals/16.Decomposition Tree.pptx
+++ b/English/6.Visuals/16.Decomposition Tree.pptx
@@ -203,7 +203,7 @@
           <a:p>
             <a:fld id="{056BA3B8-9F76-4D81-B71D-76CB85363062}" type="datetimeFigureOut">
               <a:rPr lang="en-US" smtClean="0"/>
-              <a:t>4/3/2025</a:t>
+              <a:t>4/5/2025</a:t>
             </a:fld>
             <a:endParaRPr lang="en-US"/>
           </a:p>
@@ -686,7 +686,7 @@
           <a:p>
             <a:fld id="{6F01DA4D-20EA-48D2-973C-0311EC3005D6}" type="datetimeFigureOut">
               <a:rPr lang="en-US" smtClean="0"/>
-              <a:t>4/3/2025</a:t>
+              <a:t>4/5/2025</a:t>
             </a:fld>
             <a:endParaRPr lang="en-US"/>
           </a:p>
@@ -856,7 +856,7 @@
           <a:p>
             <a:fld id="{6F01DA4D-20EA-48D2-973C-0311EC3005D6}" type="datetimeFigureOut">
               <a:rPr lang="en-US" smtClean="0"/>
-              <a:t>4/3/2025</a:t>
+              <a:t>4/5/2025</a:t>
             </a:fld>
             <a:endParaRPr lang="en-US"/>
           </a:p>
@@ -1036,7 +1036,7 @@
           <a:p>
             <a:fld id="{6F01DA4D-20EA-48D2-973C-0311EC3005D6}" type="datetimeFigureOut">
               <a:rPr lang="en-US" smtClean="0"/>
-              <a:t>4/3/2025</a:t>
+              <a:t>4/5/2025</a:t>
             </a:fld>
             <a:endParaRPr lang="en-US"/>
           </a:p>
@@ -1206,7 +1206,7 @@
           <a:p>
             <a:fld id="{6F01DA4D-20EA-48D2-973C-0311EC3005D6}" type="datetimeFigureOut">
               <a:rPr lang="en-US" smtClean="0"/>
-              <a:t>4/3/2025</a:t>
+              <a:t>4/5/2025</a:t>
             </a:fld>
             <a:endParaRPr lang="en-US"/>
           </a:p>
@@ -1452,7 +1452,7 @@
           <a:p>
             <a:fld id="{6F01DA4D-20EA-48D2-973C-0311EC3005D6}" type="datetimeFigureOut">
               <a:rPr lang="en-US" smtClean="0"/>
-              <a:t>4/3/2025</a:t>
+              <a:t>4/5/2025</a:t>
             </a:fld>
             <a:endParaRPr lang="en-US"/>
           </a:p>
@@ -1684,7 +1684,7 @@
           <a:p>
             <a:fld id="{6F01DA4D-20EA-48D2-973C-0311EC3005D6}" type="datetimeFigureOut">
               <a:rPr lang="en-US" smtClean="0"/>
-              <a:t>4/3/2025</a:t>
+              <a:t>4/5/2025</a:t>
             </a:fld>
             <a:endParaRPr lang="en-US"/>
           </a:p>
@@ -2051,7 +2051,7 @@
           <a:p>
             <a:fld id="{6F01DA4D-20EA-48D2-973C-0311EC3005D6}" type="datetimeFigureOut">
               <a:rPr lang="en-US" smtClean="0"/>
-              <a:t>4/3/2025</a:t>
+              <a:t>4/5/2025</a:t>
             </a:fld>
             <a:endParaRPr lang="en-US"/>
           </a:p>
@@ -2169,7 +2169,7 @@
           <a:p>
             <a:fld id="{6F01DA4D-20EA-48D2-973C-0311EC3005D6}" type="datetimeFigureOut">
               <a:rPr lang="en-US" smtClean="0"/>
-              <a:t>4/3/2025</a:t>
+              <a:t>4/5/2025</a:t>
             </a:fld>
             <a:endParaRPr lang="en-US"/>
           </a:p>
@@ -2264,7 +2264,7 @@
           <a:p>
             <a:fld id="{6F01DA4D-20EA-48D2-973C-0311EC3005D6}" type="datetimeFigureOut">
               <a:rPr lang="en-US" smtClean="0"/>
-              <a:t>4/3/2025</a:t>
+              <a:t>4/5/2025</a:t>
             </a:fld>
             <a:endParaRPr lang="en-US"/>
           </a:p>
@@ -2541,7 +2541,7 @@
           <a:p>
             <a:fld id="{6F01DA4D-20EA-48D2-973C-0311EC3005D6}" type="datetimeFigureOut">
               <a:rPr lang="en-US" smtClean="0"/>
-              <a:t>4/3/2025</a:t>
+              <a:t>4/5/2025</a:t>
             </a:fld>
             <a:endParaRPr lang="en-US"/>
           </a:p>
@@ -2794,7 +2794,7 @@
           <a:p>
             <a:fld id="{6F01DA4D-20EA-48D2-973C-0311EC3005D6}" type="datetimeFigureOut">
               <a:rPr lang="en-US" smtClean="0"/>
-              <a:t>4/3/2025</a:t>
+              <a:t>4/5/2025</a:t>
             </a:fld>
             <a:endParaRPr lang="en-US"/>
           </a:p>
@@ -3007,7 +3007,7 @@
           <a:p>
             <a:fld id="{6F01DA4D-20EA-48D2-973C-0311EC3005D6}" type="datetimeFigureOut">
               <a:rPr lang="en-US" smtClean="0"/>
-              <a:t>4/3/2025</a:t>
+              <a:t>4/5/2025</a:t>
             </a:fld>
             <a:endParaRPr lang="en-US"/>
           </a:p>
@@ -3452,18 +3452,7 @@
                 <a:ea typeface="Verdana" panose="020B0604030504040204" pitchFamily="34" charset="0"/>
                 <a:cs typeface="Segoe UI" panose="020B0502040204020203" pitchFamily="34" charset="0"/>
               </a:rPr>
-              <a:t>D</a:t>
-            </a:r>
-            <a:r>
-              <a:rPr lang="en" sz="8000" b="1" dirty="0" smtClean="0">
-                <a:solidFill>
-                  <a:srgbClr val="7030A0"/>
-                </a:solidFill>
-                <a:latin typeface="Segoe UI" panose="020B0502040204020203" pitchFamily="34" charset="0"/>
-                <a:ea typeface="Verdana" panose="020B0604030504040204" pitchFamily="34" charset="0"/>
-                <a:cs typeface="Segoe UI" panose="020B0502040204020203" pitchFamily="34" charset="0"/>
-              </a:rPr>
-              <a:t>ecomposition</a:t>
+              <a:t>Decomposition</a:t>
             </a:r>
           </a:p>
           <a:p>
@@ -3533,18 +3522,7 @@
                 <a:ea typeface="Verdana" panose="020B0604030504040204" pitchFamily="34" charset="0"/>
                 <a:cs typeface="Segoe UI" panose="020B0502040204020203" pitchFamily="34" charset="0"/>
               </a:rPr>
-              <a:t>D</a:t>
-            </a:r>
-            <a:r>
-              <a:rPr lang="en" sz="8000" b="1" dirty="0" smtClean="0">
-                <a:solidFill>
-                  <a:schemeClr val="bg1"/>
-                </a:solidFill>
-                <a:latin typeface="Segoe UI" panose="020B0502040204020203" pitchFamily="34" charset="0"/>
-                <a:ea typeface="Verdana" panose="020B0604030504040204" pitchFamily="34" charset="0"/>
-                <a:cs typeface="Segoe UI" panose="020B0502040204020203" pitchFamily="34" charset="0"/>
-              </a:rPr>
-              <a:t>ecomposition</a:t>
+              <a:t>Decomposition</a:t>
             </a:r>
           </a:p>
           <a:p>
@@ -4604,56 +4582,6 @@
           </a:p>
         </p:txBody>
       </p:sp>
-      <p:sp>
-        <p:nvSpPr>
-          <p:cNvPr id="7" name="TextBox 6"/>
-          <p:cNvSpPr txBox="1"/>
-          <p:nvPr/>
-        </p:nvSpPr>
-        <p:spPr>
-          <a:xfrm>
-            <a:off x="452463" y="801444"/>
-            <a:ext cx="8698412" cy="584775"/>
-          </a:xfrm>
-          <a:prstGeom prst="rect">
-            <a:avLst/>
-          </a:prstGeom>
-          <a:noFill/>
-        </p:spPr>
-        <p:txBody>
-          <a:bodyPr wrap="square" rtlCol="0">
-            <a:spAutoFit/>
-          </a:bodyPr>
-          <a:lstStyle/>
-          <a:p>
-            <a:r>
-              <a:rPr lang="en" dirty="0" smtClean="0">
-                <a:latin typeface="Segoe UI" panose="020B0502040204020203" pitchFamily="34" charset="0"/>
-                <a:cs typeface="Segoe UI" panose="020B0502040204020203" pitchFamily="34" charset="0"/>
-              </a:rPr>
-              <a:t>Click the </a:t>
-            </a:r>
-            <a:r>
-              <a:rPr lang="en" sz="3200" dirty="0" smtClean="0">
-                <a:latin typeface="Segoe UI" panose="020B0502040204020203" pitchFamily="34" charset="0"/>
-                <a:cs typeface="Segoe UI" panose="020B0502040204020203" pitchFamily="34" charset="0"/>
-              </a:rPr>
-              <a:t>+ sign </a:t>
-            </a:r>
-            <a:r>
-              <a:rPr lang="en" dirty="0" smtClean="0">
-                <a:latin typeface="Segoe UI" panose="020B0502040204020203" pitchFamily="34" charset="0"/>
-                <a:cs typeface="Segoe UI" panose="020B0502040204020203" pitchFamily="34" charset="0"/>
-              </a:rPr>
-              <a:t>to suggest the brand name that comes first</a:t>
-            </a:r>
-            <a:endParaRPr lang="en-US" b="1" dirty="0">
-              <a:latin typeface="Segoe UI" panose="020B0502040204020203" pitchFamily="34" charset="0"/>
-              <a:cs typeface="Segoe UI" panose="020B0502040204020203" pitchFamily="34" charset="0"/>
-            </a:endParaRPr>
-          </a:p>
-        </p:txBody>
-      </p:sp>
       <p:pic>
         <p:nvPicPr>
           <p:cNvPr id="4" name="Picture 3"/>
@@ -4669,7 +4597,7 @@
         </p:blipFill>
         <p:spPr>
           <a:xfrm>
-            <a:off x="559150" y="1629745"/>
+            <a:off x="559150" y="1565724"/>
             <a:ext cx="3524742" cy="4081543"/>
           </a:xfrm>
           <a:prstGeom prst="rect">
@@ -4702,7 +4630,7 @@
         </p:blipFill>
         <p:spPr>
           <a:xfrm>
-            <a:off x="4585100" y="1629745"/>
+            <a:off x="559150" y="723811"/>
             <a:ext cx="433137" cy="673768"/>
           </a:xfrm>
           <a:prstGeom prst="rect">
@@ -4728,15 +4656,15 @@
         </p:nvSpPr>
         <p:spPr>
           <a:xfrm>
-            <a:off x="5260345" y="1629745"/>
-            <a:ext cx="6070701" cy="646331"/>
+            <a:off x="1111473" y="691363"/>
+            <a:ext cx="7380389" cy="646331"/>
           </a:xfrm>
           <a:prstGeom prst="rect">
             <a:avLst/>
           </a:prstGeom>
         </p:spPr>
         <p:txBody>
-          <a:bodyPr wrap="none">
+          <a:bodyPr wrap="square">
             <a:spAutoFit/>
           </a:bodyPr>
           <a:lstStyle/>
@@ -4746,28 +4674,134 @@
                 <a:latin typeface="Segoe UI" panose="020B0502040204020203" pitchFamily="34" charset="0"/>
                 <a:cs typeface="Segoe UI" panose="020B0502040204020203" pitchFamily="34" charset="0"/>
               </a:rPr>
-              <a:t>The light blur indicates that the analysis axis is chosen by</a:t>
-            </a:r>
-          </a:p>
-          <a:p>
-            <a:r>
-              <a:rPr lang="en" dirty="0">
-                <a:latin typeface="Segoe UI" panose="020B0502040204020203" pitchFamily="34" charset="0"/>
-                <a:cs typeface="Segoe UI" panose="020B0502040204020203" pitchFamily="34" charset="0"/>
-              </a:rPr>
-              <a:t> </a:t>
+              <a:t>The light blur indicates </a:t>
             </a:r>
             <a:r>
               <a:rPr lang="en" dirty="0" smtClean="0">
                 <a:latin typeface="Segoe UI" panose="020B0502040204020203" pitchFamily="34" charset="0"/>
                 <a:cs typeface="Segoe UI" panose="020B0502040204020203" pitchFamily="34" charset="0"/>
               </a:rPr>
-              <a:t>Power BI and not the user</a:t>
+              <a:t>some useful </a:t>
+            </a:r>
+          </a:p>
+          <a:p>
+            <a:r>
+              <a:rPr lang="en" dirty="0" smtClean="0">
+                <a:latin typeface="Segoe UI" panose="020B0502040204020203" pitchFamily="34" charset="0"/>
+                <a:cs typeface="Segoe UI" panose="020B0502040204020203" pitchFamily="34" charset="0"/>
+              </a:rPr>
+              <a:t>information about the analysis</a:t>
             </a:r>
             <a:endParaRPr lang="en-US" dirty="0"/>
           </a:p>
         </p:txBody>
       </p:sp>
+      <p:pic>
+        <p:nvPicPr>
+          <p:cNvPr id="3" name="Picture 2"/>
+          <p:cNvPicPr>
+            <a:picLocks noChangeAspect="1"/>
+          </p:cNvPicPr>
+          <p:nvPr/>
+        </p:nvPicPr>
+        <p:blipFill>
+          <a:blip r:embed="rId3"/>
+          <a:stretch>
+            <a:fillRect/>
+          </a:stretch>
+        </p:blipFill>
+        <p:spPr>
+          <a:xfrm>
+            <a:off x="4801668" y="2547039"/>
+            <a:ext cx="6241375" cy="3833371"/>
+          </a:xfrm>
+          <a:prstGeom prst="rect">
+            <a:avLst/>
+          </a:prstGeom>
+        </p:spPr>
+      </p:pic>
+      <p:sp>
+        <p:nvSpPr>
+          <p:cNvPr id="6" name="Rectangle 5"/>
+          <p:cNvSpPr/>
+          <p:nvPr/>
+        </p:nvSpPr>
+        <p:spPr>
+          <a:xfrm>
+            <a:off x="6883400" y="2895599"/>
+            <a:ext cx="3784600" cy="254000"/>
+          </a:xfrm>
+          <a:prstGeom prst="rect">
+            <a:avLst/>
+          </a:prstGeom>
+          <a:noFill/>
+          <a:ln w="28575">
+            <a:solidFill>
+              <a:srgbClr val="FF0000"/>
+            </a:solidFill>
+          </a:ln>
+        </p:spPr>
+        <p:style>
+          <a:lnRef idx="2">
+            <a:schemeClr val="accent1">
+              <a:shade val="50000"/>
+            </a:schemeClr>
+          </a:lnRef>
+          <a:fillRef idx="1">
+            <a:schemeClr val="accent1"/>
+          </a:fillRef>
+          <a:effectRef idx="0">
+            <a:schemeClr val="accent1"/>
+          </a:effectRef>
+          <a:fontRef idx="minor">
+            <a:schemeClr val="lt1"/>
+          </a:fontRef>
+        </p:style>
+        <p:txBody>
+          <a:bodyPr rtlCol="0" anchor="ctr"/>
+          <a:lstStyle/>
+          <a:p>
+            <a:pPr algn="ctr"/>
+            <a:endParaRPr lang="en-US"/>
+          </a:p>
+        </p:txBody>
+      </p:sp>
+      <p:cxnSp>
+        <p:nvCxnSpPr>
+          <p:cNvPr id="9" name="Straight Arrow Connector 8"/>
+          <p:cNvCxnSpPr/>
+          <p:nvPr/>
+        </p:nvCxnSpPr>
+        <p:spPr>
+          <a:xfrm flipH="1">
+            <a:off x="7922355" y="3149599"/>
+            <a:ext cx="2369496" cy="2497668"/>
+          </a:xfrm>
+          <a:prstGeom prst="straightConnector1">
+            <a:avLst/>
+          </a:prstGeom>
+          <a:ln w="12700">
+            <a:solidFill>
+              <a:srgbClr val="FF0000"/>
+            </a:solidFill>
+            <a:tailEnd type="triangle"/>
+          </a:ln>
+        </p:spPr>
+        <p:style>
+          <a:lnRef idx="1">
+            <a:schemeClr val="accent1"/>
+          </a:lnRef>
+          <a:fillRef idx="0">
+            <a:schemeClr val="accent1"/>
+          </a:fillRef>
+          <a:effectRef idx="0">
+            <a:schemeClr val="accent1"/>
+          </a:effectRef>
+          <a:fontRef idx="minor">
+            <a:schemeClr val="tx1"/>
+          </a:fontRef>
+        </p:style>
+      </p:cxnSp>
     </p:spTree>
     <p:extLst>
       <p:ext uri="{BB962C8B-B14F-4D97-AF65-F5344CB8AC3E}">
@@ -4861,7 +4895,21 @@
                 <a:latin typeface="Segoe UI" panose="020B0502040204020203" pitchFamily="34" charset="0"/>
                 <a:cs typeface="Segoe UI" panose="020B0502040204020203" pitchFamily="34" charset="0"/>
               </a:rPr>
-              <a:t>Double-click on the analysis axis and a lock sign will appear, meaning the axis is now fixed and cannot be replaced until it is unlocked.</a:t>
+              <a:t>Double-click on the analysis axis and a lock sign will </a:t>
+            </a:r>
+            <a:r>
+              <a:rPr lang="en" dirty="0" smtClean="0">
+                <a:latin typeface="Segoe UI" panose="020B0502040204020203" pitchFamily="34" charset="0"/>
+                <a:cs typeface="Segoe UI" panose="020B0502040204020203" pitchFamily="34" charset="0"/>
+              </a:rPr>
+              <a:t>appear        , </a:t>
+            </a:r>
+            <a:r>
+              <a:rPr lang="en" dirty="0" smtClean="0">
+                <a:latin typeface="Segoe UI" panose="020B0502040204020203" pitchFamily="34" charset="0"/>
+                <a:cs typeface="Segoe UI" panose="020B0502040204020203" pitchFamily="34" charset="0"/>
+              </a:rPr>
+              <a:t>meaning the axis is now fixed and cannot be replaced until it is unlocked.</a:t>
             </a:r>
             <a:endParaRPr lang="en-US" dirty="0">
               <a:latin typeface="Segoe UI" panose="020B0502040204020203" pitchFamily="34" charset="0"/>
@@ -4909,7 +4957,7 @@
         </p:blipFill>
         <p:spPr>
           <a:xfrm>
-            <a:off x="6510802" y="595702"/>
+            <a:off x="6387048" y="647526"/>
             <a:ext cx="247508" cy="312337"/>
           </a:xfrm>
           <a:prstGeom prst="rect">
@@ -4964,6 +5012,42 @@
           </a:prstGeom>
         </p:spPr>
       </p:pic>
+      <p:cxnSp>
+        <p:nvCxnSpPr>
+          <p:cNvPr id="9" name="Straight Arrow Connector 8"/>
+          <p:cNvCxnSpPr/>
+          <p:nvPr/>
+        </p:nvCxnSpPr>
+        <p:spPr>
+          <a:xfrm flipH="1">
+            <a:off x="2175934" y="959863"/>
+            <a:ext cx="4211114" cy="835070"/>
+          </a:xfrm>
+          <a:prstGeom prst="straightConnector1">
+            <a:avLst/>
+          </a:prstGeom>
+          <a:ln w="12700">
+            <a:solidFill>
+              <a:srgbClr val="FF0000"/>
+            </a:solidFill>
+            <a:tailEnd type="triangle"/>
+          </a:ln>
+        </p:spPr>
+        <p:style>
+          <a:lnRef idx="1">
+            <a:schemeClr val="accent1"/>
+          </a:lnRef>
+          <a:fillRef idx="0">
+            <a:schemeClr val="accent1"/>
+          </a:fillRef>
+          <a:effectRef idx="0">
+            <a:schemeClr val="accent1"/>
+          </a:effectRef>
+          <a:fontRef idx="minor">
+            <a:schemeClr val="tx1"/>
+          </a:fontRef>
+        </p:style>
+      </p:cxnSp>
     </p:spTree>
     <p:extLst>
       <p:ext uri="{BB962C8B-B14F-4D97-AF65-F5344CB8AC3E}">
